--- a/PRESENTATION.pptx
+++ b/PRESENTATION.pptx
@@ -4119,8 +4119,13 @@
           <a:p>
             <a:r>
               <a:rPr lang="en-US" dirty="0"/>
-              <a:t>A Deep learning project by Vinayak Modgil</a:t>
-            </a:r>
+              <a:t>A Deep learning project by </a:t>
+            </a:r>
+            <a:r>
+              <a:rPr lang="en-US"/>
+              <a:t>Vinayak And ABDULLAH</a:t>
+            </a:r>
+            <a:endParaRPr lang="en-US" dirty="0"/>
           </a:p>
         </p:txBody>
       </p:sp>
